--- a/Presentazione GoSoftair/GoSoftair Presentazione.pptx
+++ b/Presentazione GoSoftair/GoSoftair Presentazione.pptx
@@ -3331,7 +3331,7 @@
         </p:spPr>
         <p:txBody>
           <a:bodyPr>
-            <a:normAutofit lnSpcReduction="10000"/>
+            <a:normAutofit/>
           </a:bodyPr>
           <a:lstStyle/>
           <a:p>
@@ -3409,15 +3409,6 @@
               <a:rPr lang="it-IT" dirty="0" err="1" smtClean="0"/>
               <a:t>Softair</a:t>
             </a:r>
-            <a:r>
-              <a:rPr lang="it-IT" dirty="0" smtClean="0"/>
-              <a:t> che forniscono campi da gioco</a:t>
-            </a:r>
-          </a:p>
-          <a:p>
-            <a:pPr marL="0" indent="0">
-              <a:buNone/>
-            </a:pPr>
             <a:endParaRPr lang="it-IT" dirty="0"/>
           </a:p>
         </p:txBody>
@@ -3594,12 +3585,12 @@
         <p:spPr>
           <a:xfrm>
             <a:off x="457200" y="986710"/>
-            <a:ext cx="8229600" cy="4525963"/>
+            <a:ext cx="8229600" cy="4829890"/>
           </a:xfrm>
         </p:spPr>
         <p:txBody>
           <a:bodyPr>
-            <a:normAutofit fontScale="70000" lnSpcReduction="20000"/>
+            <a:normAutofit fontScale="62500" lnSpcReduction="20000"/>
           </a:bodyPr>
           <a:lstStyle/>
           <a:p>
@@ -3622,26 +3613,38 @@
             </a:r>
             <a:r>
               <a:rPr lang="it-IT" dirty="0" smtClean="0"/>
-              <a:t> immettendo nome, cognome, nickname,  password, email ed altri dati opzionali tra cui sesso, città, </a:t>
+              <a:t> immettendo nome, cognome, nickname,  password, </a:t>
+            </a:r>
+            <a:r>
+              <a:rPr lang="it-IT" dirty="0" smtClean="0"/>
+              <a:t>email, via, città, </a:t>
             </a:r>
             <a:r>
               <a:rPr lang="it-IT" dirty="0" err="1" smtClean="0"/>
-              <a:t>etc</a:t>
-            </a:r>
+              <a:t>cap</a:t>
+            </a:r>
+            <a:endParaRPr lang="it-IT" dirty="0" smtClean="0"/>
+          </a:p>
+          <a:p>
             <a:r>
               <a:rPr lang="it-IT" dirty="0" smtClean="0"/>
-              <a:t>…</a:t>
-            </a:r>
-            <a:endParaRPr lang="it-IT" dirty="0"/>
-          </a:p>
-          <a:p>
-            <a:r>
-              <a:rPr lang="it-IT" dirty="0"/>
-              <a:t>p</a:t>
+              <a:t>può </a:t>
             </a:r>
             <a:r>
               <a:rPr lang="it-IT" dirty="0" smtClean="0"/>
-              <a:t>uò cercare partite in una data e una provincia indicata. Alla ricerca verranno visualizzati tutti i campi dove sono disponibili partite nel giorno e nella zona cercati.</a:t>
+              <a:t>cercare partite in una </a:t>
+            </a:r>
+            <a:r>
+              <a:rPr lang="it-IT" dirty="0" smtClean="0"/>
+              <a:t>certa data. Alla ricerca verranno visualizzati tutti </a:t>
+            </a:r>
+            <a:r>
+              <a:rPr lang="it-IT" dirty="0" smtClean="0"/>
+              <a:t>le partite </a:t>
+            </a:r>
+            <a:r>
+              <a:rPr lang="it-IT" dirty="0" smtClean="0"/>
+              <a:t>dove sono disponibili partite nella data cercata</a:t>
             </a:r>
           </a:p>
           <a:p>
@@ -3653,24 +3656,61 @@
           <a:p>
             <a:r>
               <a:rPr lang="it-IT" dirty="0" smtClean="0"/>
-              <a:t>può prenotare uno o più posti per utenti non iscritti.</a:t>
-            </a:r>
-          </a:p>
-          <a:p>
+              <a:t>può </a:t>
+            </a:r>
             <a:r>
               <a:rPr lang="it-IT" dirty="0" smtClean="0"/>
-              <a:t>può cancellare l’iscrizione alla partita</a:t>
+              <a:t>prenotare uno o più posti per utenti non iscritti.</a:t>
             </a:r>
           </a:p>
           <a:p>
             <a:r>
               <a:rPr lang="it-IT" dirty="0" smtClean="0"/>
-              <a:t>può pubblicare annunci in riferimento a scambio, affitto o vendita di attrezzatura utilizzabile durante il </a:t>
+              <a:t>può cancellare l’iscrizione alla </a:t>
+            </a:r>
+            <a:r>
+              <a:rPr lang="it-IT" dirty="0" smtClean="0"/>
+              <a:t>partita</a:t>
+            </a:r>
+          </a:p>
+          <a:p>
+            <a:r>
+              <a:rPr lang="it-IT" dirty="0" smtClean="0"/>
+              <a:t>può commentare </a:t>
+            </a:r>
+            <a:r>
+              <a:rPr lang="it-IT" dirty="0" smtClean="0"/>
+              <a:t>una partita</a:t>
+            </a:r>
+          </a:p>
+          <a:p>
+            <a:r>
+              <a:rPr lang="it-IT" dirty="0"/>
+              <a:t>d</a:t>
+            </a:r>
+            <a:r>
+              <a:rPr lang="it-IT" dirty="0" smtClean="0"/>
+              <a:t>opo una partita, entra nella classifica dei giocatori di </a:t>
             </a:r>
             <a:r>
               <a:rPr lang="it-IT" dirty="0" err="1" smtClean="0"/>
               <a:t>softair</a:t>
             </a:r>
+            <a:endParaRPr lang="it-IT" dirty="0" smtClean="0"/>
+          </a:p>
+          <a:p>
+            <a:r>
+              <a:rPr lang="it-IT" dirty="0" smtClean="0"/>
+              <a:t>può </a:t>
+            </a:r>
+            <a:r>
+              <a:rPr lang="it-IT" dirty="0" smtClean="0"/>
+              <a:t>pubblicare annunci in riferimento a scambio, affitto o vendita di attrezzatura utilizzabile durante il </a:t>
+            </a:r>
+            <a:r>
+              <a:rPr lang="it-IT" dirty="0" err="1" smtClean="0"/>
+              <a:t>softair</a:t>
+            </a:r>
             <a:r>
               <a:rPr lang="it-IT" dirty="0" smtClean="0"/>
               <a:t> attraverso una </a:t>
@@ -3684,10 +3724,22 @@
           <a:p>
             <a:r>
               <a:rPr lang="it-IT" dirty="0" smtClean="0"/>
-              <a:t>creare una partita da organizzatore giocante o da organizzatore non giocante</a:t>
-            </a:r>
-          </a:p>
-          <a:p>
+              <a:t>creare una partita da organizzatore giocante o da organizzatore non </a:t>
+            </a:r>
+            <a:r>
+              <a:rPr lang="it-IT" dirty="0" smtClean="0"/>
+              <a:t>giocante</a:t>
+            </a:r>
+          </a:p>
+          <a:p>
+            <a:r>
+              <a:rPr lang="it-IT" dirty="0"/>
+              <a:t>s</a:t>
+            </a:r>
+            <a:r>
+              <a:rPr lang="it-IT" dirty="0" smtClean="0"/>
+              <a:t>e ha creato una partita, il giorno successivo la partita può valutare i partecipanti</a:t>
+            </a:r>
             <a:endParaRPr lang="it-IT" dirty="0" smtClean="0"/>
           </a:p>
           <a:p>

--- a/Presentazione GoSoftair/GoSoftair Presentazione.pptx
+++ b/Presentazione GoSoftair/GoSoftair Presentazione.pptx
@@ -110,6 +110,22 @@
       </a:defRPr>
     </a:lvl9pPr>
   </p:defaultTextStyle>
+  <p:extLst>
+    <p:ext uri="{EFAFB233-063F-42B5-8137-9DF3F51BA10A}">
+      <p15:sldGuideLst xmlns:p15="http://schemas.microsoft.com/office/powerpoint/2012/main">
+        <p15:guide id="1" orient="horz" pos="2160">
+          <p15:clr>
+            <a:srgbClr val="A4A3A4"/>
+          </p15:clr>
+        </p15:guide>
+        <p15:guide id="2" pos="2880">
+          <p15:clr>
+            <a:srgbClr val="A4A3A4"/>
+          </p15:clr>
+        </p15:guide>
+      </p15:sldGuideLst>
+    </p:ext>
+  </p:extLst>
 </p:presentation>
 </file>
 
@@ -294,7 +310,7 @@
           <a:p>
             <a:fld id="{8AABD612-701B-044D-B208-0C0A7A9BDE81}" type="datetimeFigureOut">
               <a:rPr lang="it-IT" smtClean="0"/>
-              <a:t>21/09/15</a:t>
+              <a:t>21/09/2015</a:t>
             </a:fld>
             <a:endParaRPr lang="it-IT"/>
           </a:p>
@@ -336,7 +352,7 @@
           <a:p>
             <a:fld id="{E2278B11-66E7-E949-8D09-3B306D4F92B6}" type="slidenum">
               <a:rPr lang="it-IT" smtClean="0"/>
-              <a:t>‹n.›</a:t>
+              <a:t>‹N›</a:t>
             </a:fld>
             <a:endParaRPr lang="it-IT"/>
           </a:p>
@@ -464,7 +480,7 @@
           <a:p>
             <a:fld id="{8AABD612-701B-044D-B208-0C0A7A9BDE81}" type="datetimeFigureOut">
               <a:rPr lang="it-IT" smtClean="0"/>
-              <a:t>21/09/15</a:t>
+              <a:t>21/09/2015</a:t>
             </a:fld>
             <a:endParaRPr lang="it-IT"/>
           </a:p>
@@ -506,7 +522,7 @@
           <a:p>
             <a:fld id="{E2278B11-66E7-E949-8D09-3B306D4F92B6}" type="slidenum">
               <a:rPr lang="it-IT" smtClean="0"/>
-              <a:t>‹n.›</a:t>
+              <a:t>‹N›</a:t>
             </a:fld>
             <a:endParaRPr lang="it-IT"/>
           </a:p>
@@ -644,7 +660,7 @@
           <a:p>
             <a:fld id="{8AABD612-701B-044D-B208-0C0A7A9BDE81}" type="datetimeFigureOut">
               <a:rPr lang="it-IT" smtClean="0"/>
-              <a:t>21/09/15</a:t>
+              <a:t>21/09/2015</a:t>
             </a:fld>
             <a:endParaRPr lang="it-IT"/>
           </a:p>
@@ -686,7 +702,7 @@
           <a:p>
             <a:fld id="{E2278B11-66E7-E949-8D09-3B306D4F92B6}" type="slidenum">
               <a:rPr lang="it-IT" smtClean="0"/>
-              <a:t>‹n.›</a:t>
+              <a:t>‹N›</a:t>
             </a:fld>
             <a:endParaRPr lang="it-IT"/>
           </a:p>
@@ -814,7 +830,7 @@
           <a:p>
             <a:fld id="{8AABD612-701B-044D-B208-0C0A7A9BDE81}" type="datetimeFigureOut">
               <a:rPr lang="it-IT" smtClean="0"/>
-              <a:t>21/09/15</a:t>
+              <a:t>21/09/2015</a:t>
             </a:fld>
             <a:endParaRPr lang="it-IT"/>
           </a:p>
@@ -856,7 +872,7 @@
           <a:p>
             <a:fld id="{E2278B11-66E7-E949-8D09-3B306D4F92B6}" type="slidenum">
               <a:rPr lang="it-IT" smtClean="0"/>
-              <a:t>‹n.›</a:t>
+              <a:t>‹N›</a:t>
             </a:fld>
             <a:endParaRPr lang="it-IT"/>
           </a:p>
@@ -1060,7 +1076,7 @@
           <a:p>
             <a:fld id="{8AABD612-701B-044D-B208-0C0A7A9BDE81}" type="datetimeFigureOut">
               <a:rPr lang="it-IT" smtClean="0"/>
-              <a:t>21/09/15</a:t>
+              <a:t>21/09/2015</a:t>
             </a:fld>
             <a:endParaRPr lang="it-IT"/>
           </a:p>
@@ -1102,7 +1118,7 @@
           <a:p>
             <a:fld id="{E2278B11-66E7-E949-8D09-3B306D4F92B6}" type="slidenum">
               <a:rPr lang="it-IT" smtClean="0"/>
-              <a:t>‹n.›</a:t>
+              <a:t>‹N›</a:t>
             </a:fld>
             <a:endParaRPr lang="it-IT"/>
           </a:p>
@@ -1348,7 +1364,7 @@
           <a:p>
             <a:fld id="{8AABD612-701B-044D-B208-0C0A7A9BDE81}" type="datetimeFigureOut">
               <a:rPr lang="it-IT" smtClean="0"/>
-              <a:t>21/09/15</a:t>
+              <a:t>21/09/2015</a:t>
             </a:fld>
             <a:endParaRPr lang="it-IT"/>
           </a:p>
@@ -1390,7 +1406,7 @@
           <a:p>
             <a:fld id="{E2278B11-66E7-E949-8D09-3B306D4F92B6}" type="slidenum">
               <a:rPr lang="it-IT" smtClean="0"/>
-              <a:t>‹n.›</a:t>
+              <a:t>‹N›</a:t>
             </a:fld>
             <a:endParaRPr lang="it-IT"/>
           </a:p>
@@ -1770,7 +1786,7 @@
           <a:p>
             <a:fld id="{8AABD612-701B-044D-B208-0C0A7A9BDE81}" type="datetimeFigureOut">
               <a:rPr lang="it-IT" smtClean="0"/>
-              <a:t>21/09/15</a:t>
+              <a:t>21/09/2015</a:t>
             </a:fld>
             <a:endParaRPr lang="it-IT"/>
           </a:p>
@@ -1812,7 +1828,7 @@
           <a:p>
             <a:fld id="{E2278B11-66E7-E949-8D09-3B306D4F92B6}" type="slidenum">
               <a:rPr lang="it-IT" smtClean="0"/>
-              <a:t>‹n.›</a:t>
+              <a:t>‹N›</a:t>
             </a:fld>
             <a:endParaRPr lang="it-IT"/>
           </a:p>
@@ -1888,7 +1904,7 @@
           <a:p>
             <a:fld id="{8AABD612-701B-044D-B208-0C0A7A9BDE81}" type="datetimeFigureOut">
               <a:rPr lang="it-IT" smtClean="0"/>
-              <a:t>21/09/15</a:t>
+              <a:t>21/09/2015</a:t>
             </a:fld>
             <a:endParaRPr lang="it-IT"/>
           </a:p>
@@ -1930,7 +1946,7 @@
           <a:p>
             <a:fld id="{E2278B11-66E7-E949-8D09-3B306D4F92B6}" type="slidenum">
               <a:rPr lang="it-IT" smtClean="0"/>
-              <a:t>‹n.›</a:t>
+              <a:t>‹N›</a:t>
             </a:fld>
             <a:endParaRPr lang="it-IT"/>
           </a:p>
@@ -1983,7 +1999,7 @@
           <a:p>
             <a:fld id="{8AABD612-701B-044D-B208-0C0A7A9BDE81}" type="datetimeFigureOut">
               <a:rPr lang="it-IT" smtClean="0"/>
-              <a:t>21/09/15</a:t>
+              <a:t>21/09/2015</a:t>
             </a:fld>
             <a:endParaRPr lang="it-IT"/>
           </a:p>
@@ -2025,7 +2041,7 @@
           <a:p>
             <a:fld id="{E2278B11-66E7-E949-8D09-3B306D4F92B6}" type="slidenum">
               <a:rPr lang="it-IT" smtClean="0"/>
-              <a:t>‹n.›</a:t>
+              <a:t>‹N›</a:t>
             </a:fld>
             <a:endParaRPr lang="it-IT"/>
           </a:p>
@@ -2260,7 +2276,7 @@
           <a:p>
             <a:fld id="{8AABD612-701B-044D-B208-0C0A7A9BDE81}" type="datetimeFigureOut">
               <a:rPr lang="it-IT" smtClean="0"/>
-              <a:t>21/09/15</a:t>
+              <a:t>21/09/2015</a:t>
             </a:fld>
             <a:endParaRPr lang="it-IT"/>
           </a:p>
@@ -2302,7 +2318,7 @@
           <a:p>
             <a:fld id="{E2278B11-66E7-E949-8D09-3B306D4F92B6}" type="slidenum">
               <a:rPr lang="it-IT" smtClean="0"/>
-              <a:t>‹n.›</a:t>
+              <a:t>‹N›</a:t>
             </a:fld>
             <a:endParaRPr lang="it-IT"/>
           </a:p>
@@ -2513,7 +2529,7 @@
           <a:p>
             <a:fld id="{8AABD612-701B-044D-B208-0C0A7A9BDE81}" type="datetimeFigureOut">
               <a:rPr lang="it-IT" smtClean="0"/>
-              <a:t>21/09/15</a:t>
+              <a:t>21/09/2015</a:t>
             </a:fld>
             <a:endParaRPr lang="it-IT"/>
           </a:p>
@@ -2555,7 +2571,7 @@
           <a:p>
             <a:fld id="{E2278B11-66E7-E949-8D09-3B306D4F92B6}" type="slidenum">
               <a:rPr lang="it-IT" smtClean="0"/>
-              <a:t>‹n.›</a:t>
+              <a:t>‹N›</a:t>
             </a:fld>
             <a:endParaRPr lang="it-IT"/>
           </a:p>
@@ -2581,7 +2597,8 @@
       <p:bgPr>
         <a:blipFill dpi="0" rotWithShape="1">
           <a:blip r:embed="rId13">
-            <a:alphaModFix amt="33000"/>
+            <a:alphaModFix amt="19000"/>
+            <a:lum/>
           </a:blip>
           <a:srcRect/>
           <a:stretch>
@@ -2735,7 +2752,7 @@
           <a:p>
             <a:fld id="{8AABD612-701B-044D-B208-0C0A7A9BDE81}" type="datetimeFigureOut">
               <a:rPr lang="it-IT" smtClean="0"/>
-              <a:t>21/09/15</a:t>
+              <a:t>21/09/2015</a:t>
             </a:fld>
             <a:endParaRPr lang="it-IT"/>
           </a:p>
@@ -2813,7 +2830,7 @@
           <a:p>
             <a:fld id="{E2278B11-66E7-E949-8D09-3B306D4F92B6}" type="slidenum">
               <a:rPr lang="it-IT" smtClean="0"/>
-              <a:t>‹n.›</a:t>
+              <a:t>‹N›</a:t>
             </a:fld>
             <a:endParaRPr lang="it-IT"/>
           </a:p>
